--- a/en/week-2/week-2.tr.md_word.pptx
+++ b/en/week-2/week-2.tr.md_word.pptx
@@ -4341,7 +4341,7 @@
               <a:rPr>
                 <a:hlinkClick r:id="rId4"/>
               </a:rPr>
-              <a:t>PPTX-MD</a:t>
+              <a:t>DOCX-MD</a:t>
             </a:r>
             <a:r>
               <a:rPr/>
@@ -4351,8 +4351,26 @@
               <a:rPr>
                 <a:hlinkClick r:id="rId5"/>
               </a:rPr>
+              <a:t>PPTX-MD</a:t>
+            </a:r>
+            <a:r>
+              <a:rPr/>
+              <a:t>, </a:t>
+            </a:r>
+            <a:r>
+              <a:rPr>
+                <a:hlinkClick r:id="rId6"/>
+              </a:rPr>
               <a:t>PPTX-MS</a:t>
             </a:r>
+          </a:p>
+          <a:p>
+            <a:pPr lvl="0" indent="0" marL="0">
+              <a:spcBef>
+                <a:spcPts val="3000"/>
+              </a:spcBef>
+              <a:buNone/>
+            </a:pPr>
           </a:p>
         </p:txBody>
       </p:sp>
